--- a/resources/assets/document-templates/de-DE/new.pptx
+++ b/resources/assets/document-templates/de-DE/new.pptx
@@ -142,7 +142,7 @@
       </p:grpSpPr>
       <p:sp>
         <p:nvSpPr>
-          <p:cNvPr id="2" name="Header Placeholder 1"/>
+          <p:cNvPr id="2" name="Platzhalter für Überschrift 1"/>
           <p:cNvSpPr>
             <a:spLocks noGrp="1"/>
           </p:cNvSpPr>
@@ -173,7 +173,7 @@
       </p:sp>
       <p:sp>
         <p:nvSpPr>
-          <p:cNvPr id="3" name="Date Placeholder 2"/>
+          <p:cNvPr id="3" name="Datumsplatzhalter 2"/>
           <p:cNvSpPr>
             <a:spLocks noGrp="1"/>
           </p:cNvSpPr>
@@ -208,7 +208,7 @@
       </p:sp>
       <p:sp>
         <p:nvSpPr>
-          <p:cNvPr id="4" name="Slide Image Placeholder 3"/>
+          <p:cNvPr id="4" name="Platzhalter für Folienbilder 3"/>
           <p:cNvSpPr>
             <a:spLocks noGrp="1" noRot="1" noChangeAspect="1"/>
           </p:cNvSpPr>
@@ -241,7 +241,7 @@
       </p:sp>
       <p:sp>
         <p:nvSpPr>
-          <p:cNvPr id="5" name="Notes Placeholder 4"/>
+          <p:cNvPr id="5" name="Platzhalter für Notizen 4"/>
           <p:cNvSpPr>
             <a:spLocks noGrp="1"/>
           </p:cNvSpPr>
@@ -265,43 +265,43 @@
             <a:pPr lvl="0"/>
             <a:r>
               <a:rPr lang="de-DE" smtClean="0"/>
-              <a:t>Click to edit Master text styles</a:t>
+              <a:t>Textmasterformat bearbeiten</a:t>
             </a:r>
           </a:p>
           <a:p>
             <a:pPr lvl="1"/>
             <a:r>
               <a:rPr lang="de-DE" smtClean="0"/>
-              <a:t>Second level</a:t>
+              <a:t>Zweite Ebene</a:t>
             </a:r>
           </a:p>
           <a:p>
             <a:pPr lvl="2"/>
             <a:r>
               <a:rPr lang="de-DE" smtClean="0"/>
-              <a:t>Third level</a:t>
+              <a:t>Dritte Ebene</a:t>
             </a:r>
           </a:p>
           <a:p>
             <a:pPr lvl="3"/>
             <a:r>
               <a:rPr lang="de-DE" smtClean="0"/>
-              <a:t>Fourth level</a:t>
+              <a:t>Vierte Ebene</a:t>
             </a:r>
           </a:p>
           <a:p>
             <a:pPr lvl="4"/>
             <a:r>
               <a:rPr lang="de-DE" smtClean="0"/>
-              <a:t>Fifth level</a:t>
-            </a:r>
-            <a:endParaRPr lang="de-DE"/>
-          </a:p>
-        </p:txBody>
-      </p:sp>
-      <p:sp>
-        <p:nvSpPr>
-          <p:cNvPr id="6" name="Footer Placeholder 5"/>
+              <a:t>Fünfte Ebene</a:t>
+            </a:r>
+            <a:endParaRPr lang="de-DE"/>
+          </a:p>
+        </p:txBody>
+      </p:sp>
+      <p:sp>
+        <p:nvSpPr>
+          <p:cNvPr id="6" name="Fußzeilenplatzhalter 5"/>
           <p:cNvSpPr>
             <a:spLocks noGrp="1"/>
           </p:cNvSpPr>
@@ -332,7 +332,7 @@
       </p:sp>
       <p:sp>
         <p:nvSpPr>
-          <p:cNvPr id="7" name="Slide Number Placeholder 6"/>
+          <p:cNvPr id="7" name="Foliennummernplatzhalter 6"/>
           <p:cNvSpPr>
             <a:spLocks noGrp="1"/>
           </p:cNvSpPr>
@@ -487,7 +487,7 @@
       </p:grpSpPr>
       <p:sp>
         <p:nvSpPr>
-          <p:cNvPr id="2" name="Slide Image Placeholder 1"/>
+          <p:cNvPr id="2" name="Platzhalter für Folienbild 1"/>
           <p:cNvSpPr>
             <a:spLocks noGrp="1" noRot="1" noChangeAspect="1"/>
           </p:cNvSpPr>
@@ -504,7 +504,7 @@
       </p:sp>
       <p:sp>
         <p:nvSpPr>
-          <p:cNvPr id="3" name="Notes Placeholder 2"/>
+          <p:cNvPr id="3" name="Platzhalter für Notizen 2"/>
           <p:cNvSpPr>
             <a:spLocks noGrp="1"/>
           </p:cNvSpPr>
@@ -526,7 +526,7 @@
       </p:sp>
       <p:sp>
         <p:nvSpPr>
-          <p:cNvPr id="4" name="Slide Number Placeholder 3"/>
+          <p:cNvPr id="4" name="Foliennummernplatzhalter 3"/>
           <p:cNvSpPr>
             <a:spLocks noGrp="1"/>
           </p:cNvSpPr>
@@ -1890,28 +1890,28 @@
             <a:pPr lvl="1"/>
             <a:r>
               <a:rPr lang="de-DE" smtClean="0"/>
-              <a:t>Second level</a:t>
+              <a:t>Zweite Ebene</a:t>
             </a:r>
           </a:p>
           <a:p>
             <a:pPr lvl="2"/>
             <a:r>
               <a:rPr lang="de-DE" smtClean="0"/>
-              <a:t>Third level</a:t>
+              <a:t>Dritte Ebene</a:t>
             </a:r>
           </a:p>
           <a:p>
             <a:pPr lvl="3"/>
             <a:r>
               <a:rPr lang="de-DE" smtClean="0"/>
-              <a:t>Fourth level</a:t>
+              <a:t>Vierte Ebene</a:t>
             </a:r>
           </a:p>
           <a:p>
             <a:pPr lvl="4"/>
             <a:r>
               <a:rPr lang="de-DE" smtClean="0"/>
-              <a:t>Fifth level</a:t>
+              <a:t>Fünfte Ebene</a:t>
             </a:r>
             <a:endParaRPr lang="de-DE" dirty="0"/>
           </a:p>
@@ -2012,28 +2012,28 @@
             <a:pPr lvl="1"/>
             <a:r>
               <a:rPr lang="de-DE" smtClean="0"/>
-              <a:t>Second level</a:t>
+              <a:t>Zweite Ebene</a:t>
             </a:r>
           </a:p>
           <a:p>
             <a:pPr lvl="2"/>
             <a:r>
               <a:rPr lang="de-DE" smtClean="0"/>
-              <a:t>Third level</a:t>
+              <a:t>Dritte Ebene</a:t>
             </a:r>
           </a:p>
           <a:p>
             <a:pPr lvl="3"/>
             <a:r>
               <a:rPr lang="de-DE" smtClean="0"/>
-              <a:t>Fourth level</a:t>
+              <a:t>Vierte Ebene</a:t>
             </a:r>
           </a:p>
           <a:p>
             <a:pPr lvl="4"/>
             <a:r>
               <a:rPr lang="de-DE" smtClean="0"/>
-              <a:t>Fifth level</a:t>
+              <a:t>Fünfte Ebene</a:t>
             </a:r>
             <a:endParaRPr lang="de-DE" dirty="0"/>
           </a:p>
@@ -2715,7 +2715,7 @@
           <a:p>
             <a:r>
               <a:rPr lang="de-DE" smtClean="0"/>
-              <a:t>Click icon to add picture</a:t>
+              <a:t>Klicken Sie auf das Symbol, um ein Bild hinzuzufügen</a:t>
             </a:r>
             <a:endParaRPr lang="de-DE" dirty="0"/>
           </a:p>
@@ -2913,7 +2913,7 @@
           <a:p>
             <a:r>
               <a:rPr lang="de-DE" smtClean="0"/>
-              <a:t>Click to edit Master title style</a:t>
+              <a:t>Titelmasterformat durch Klicken bearbeiten</a:t>
             </a:r>
             <a:endParaRPr lang="de-DE" dirty="0"/>
           </a:p>
@@ -2947,35 +2947,35 @@
             <a:pPr lvl="0"/>
             <a:r>
               <a:rPr lang="de-DE" smtClean="0"/>
-              <a:t>Click to edit Master text styles</a:t>
+              <a:t>Textmasterformat bearbeiten</a:t>
             </a:r>
           </a:p>
           <a:p>
             <a:pPr lvl="1"/>
             <a:r>
               <a:rPr lang="de-DE" smtClean="0"/>
-              <a:t>Second level</a:t>
+              <a:t>Zweite Ebene</a:t>
             </a:r>
           </a:p>
           <a:p>
             <a:pPr lvl="2"/>
             <a:r>
               <a:rPr lang="de-DE" smtClean="0"/>
-              <a:t>Third level</a:t>
+              <a:t>Dritte Ebene</a:t>
             </a:r>
           </a:p>
           <a:p>
             <a:pPr lvl="3"/>
             <a:r>
               <a:rPr lang="de-DE" smtClean="0"/>
-              <a:t>Fourth level</a:t>
+              <a:t>Vierte Ebene</a:t>
             </a:r>
           </a:p>
           <a:p>
             <a:pPr lvl="4"/>
             <a:r>
               <a:rPr lang="de-DE" smtClean="0"/>
-              <a:t>Fifth level</a:t>
+              <a:t>Fünfte Ebene</a:t>
             </a:r>
             <a:endParaRPr lang="de-DE" dirty="0"/>
           </a:p>
